--- a/Poster.pptx
+++ b/Poster.pptx
@@ -104,6 +104,11 @@
       </a:defRPr>
     </a:lvl9pPr>
   </p:defaultTextStyle>
+  <p:extLst>
+    <p:ext uri="{EFAFB233-063F-42B5-8137-9DF3F51BA10A}">
+      <p15:sldGuideLst xmlns:p15="http://schemas.microsoft.com/office/powerpoint/2012/main"/>
+    </p:ext>
+  </p:extLst>
 </p:presentation>
 </file>
 
@@ -5272,15 +5277,37 @@
               <a:t>oko</a:t>
             </a:r>
             <a:r>
-              <a:rPr lang="en-US" sz="1200" dirty="0" smtClean="0">
-                <a:solidFill>
-                  <a:schemeClr val="bg1">
-                    <a:lumMod val="75000"/>
-                    <a:lumOff val="25000"/>
-                  </a:schemeClr>
-                </a:solidFill>
-              </a:rPr>
-              <a:t> 10%)</a:t>
+              <a:rPr lang="en-US" sz="1200" smtClean="0">
+                <a:solidFill>
+                  <a:schemeClr val="bg1">
+                    <a:lumMod val="75000"/>
+                    <a:lumOff val="25000"/>
+                  </a:schemeClr>
+                </a:solidFill>
+              </a:rPr>
+              <a:t> </a:t>
+            </a:r>
+            <a:r>
+              <a:rPr lang="en-US" sz="1200" smtClean="0">
+                <a:solidFill>
+                  <a:schemeClr val="bg1">
+                    <a:lumMod val="75000"/>
+                    <a:lumOff val="25000"/>
+                  </a:schemeClr>
+                </a:solidFill>
+              </a:rPr>
+              <a:t>90</a:t>
+            </a:r>
+            <a:r>
+              <a:rPr lang="en-US" sz="1200" dirty="0" smtClean="0">
+                <a:solidFill>
+                  <a:schemeClr val="bg1">
+                    <a:lumMod val="75000"/>
+                    <a:lumOff val="25000"/>
+                  </a:schemeClr>
+                </a:solidFill>
+              </a:rPr>
+              <a:t>%)</a:t>
             </a:r>
             <a:endParaRPr lang="en-US" sz="1200" dirty="0">
               <a:solidFill>
@@ -6556,29 +6583,7 @@
                   </a:schemeClr>
                 </a:solidFill>
               </a:rPr>
-              <a:t> </a:t>
-            </a:r>
-            <a:r>
-              <a:rPr lang="en-US" sz="1200" dirty="0" smtClean="0">
-                <a:solidFill>
-                  <a:schemeClr val="bg1">
-                    <a:lumMod val="75000"/>
-                    <a:lumOff val="25000"/>
-                  </a:schemeClr>
-                </a:solidFill>
-              </a:rPr>
-              <a:t>≈</a:t>
-            </a:r>
-            <a:r>
-              <a:rPr lang="en-US" sz="1200" dirty="0" smtClean="0">
-                <a:solidFill>
-                  <a:schemeClr val="bg1">
-                    <a:lumMod val="75000"/>
-                    <a:lumOff val="25000"/>
-                  </a:schemeClr>
-                </a:solidFill>
-              </a:rPr>
-              <a:t>85%</a:t>
+              <a:t> ≈85%</a:t>
             </a:r>
           </a:p>
           <a:p>
@@ -6700,29 +6705,7 @@
                   </a:schemeClr>
                 </a:solidFill>
               </a:rPr>
-              <a:t> </a:t>
-            </a:r>
-            <a:r>
-              <a:rPr lang="en-US" sz="1200" dirty="0" smtClean="0">
-                <a:solidFill>
-                  <a:schemeClr val="bg1">
-                    <a:lumMod val="75000"/>
-                    <a:lumOff val="25000"/>
-                  </a:schemeClr>
-                </a:solidFill>
-              </a:rPr>
-              <a:t>≈</a:t>
-            </a:r>
-            <a:r>
-              <a:rPr lang="en-US" sz="1200" dirty="0" smtClean="0">
-                <a:solidFill>
-                  <a:schemeClr val="bg1">
-                    <a:lumMod val="75000"/>
-                    <a:lumOff val="25000"/>
-                  </a:schemeClr>
-                </a:solidFill>
-              </a:rPr>
-              <a:t>80% u 	     </a:t>
+              <a:t> ≈80% u 	     </a:t>
             </a:r>
             <a:r>
               <a:rPr lang="en-US" sz="1200" dirty="0" err="1" smtClean="0">
@@ -7828,14 +7811,6 @@
               </a:rPr>
               <a:t>.</a:t>
             </a:r>
-            <a:endParaRPr lang="en-US" sz="1200" i="1" dirty="0" smtClean="0">
-              <a:solidFill>
-                <a:schemeClr val="bg1">
-                  <a:lumMod val="75000"/>
-                  <a:lumOff val="25000"/>
-                </a:schemeClr>
-              </a:solidFill>
-            </a:endParaRPr>
           </a:p>
         </p:txBody>
       </p:sp>
